--- a/Presentetion.pptx
+++ b/Presentetion.pptx
@@ -71,10 +71,10 @@
         </a:solidFill>
         <a:effectLst/>
         <a:uFillTx/>
-        <a:latin typeface="+mj-lt"/>
-        <a:ea typeface="+mj-ea"/>
-        <a:cs typeface="+mj-cs"/>
-        <a:sym typeface="Helvetica Neue"/>
+        <a:latin typeface="+mn-lt"/>
+        <a:ea typeface="+mn-ea"/>
+        <a:cs typeface="+mn-cs"/>
+        <a:sym typeface="Helvetica"/>
       </a:defRPr>
     </a:lvl1pPr>
     <a:lvl2pPr marL="0" marR="0" indent="0" algn="ctr" defTabSz="2438337" rtl="0" fontAlgn="auto" latinLnBrk="0" hangingPunct="0">
@@ -101,10 +101,10 @@
         </a:solidFill>
         <a:effectLst/>
         <a:uFillTx/>
-        <a:latin typeface="+mj-lt"/>
-        <a:ea typeface="+mj-ea"/>
-        <a:cs typeface="+mj-cs"/>
-        <a:sym typeface="Helvetica Neue"/>
+        <a:latin typeface="+mn-lt"/>
+        <a:ea typeface="+mn-ea"/>
+        <a:cs typeface="+mn-cs"/>
+        <a:sym typeface="Helvetica"/>
       </a:defRPr>
     </a:lvl2pPr>
     <a:lvl3pPr marL="0" marR="0" indent="0" algn="ctr" defTabSz="2438337" rtl="0" fontAlgn="auto" latinLnBrk="0" hangingPunct="0">
@@ -131,10 +131,10 @@
         </a:solidFill>
         <a:effectLst/>
         <a:uFillTx/>
-        <a:latin typeface="+mj-lt"/>
-        <a:ea typeface="+mj-ea"/>
-        <a:cs typeface="+mj-cs"/>
-        <a:sym typeface="Helvetica Neue"/>
+        <a:latin typeface="+mn-lt"/>
+        <a:ea typeface="+mn-ea"/>
+        <a:cs typeface="+mn-cs"/>
+        <a:sym typeface="Helvetica"/>
       </a:defRPr>
     </a:lvl3pPr>
     <a:lvl4pPr marL="0" marR="0" indent="0" algn="ctr" defTabSz="2438337" rtl="0" fontAlgn="auto" latinLnBrk="0" hangingPunct="0">
@@ -161,10 +161,10 @@
         </a:solidFill>
         <a:effectLst/>
         <a:uFillTx/>
-        <a:latin typeface="+mj-lt"/>
-        <a:ea typeface="+mj-ea"/>
-        <a:cs typeface="+mj-cs"/>
-        <a:sym typeface="Helvetica Neue"/>
+        <a:latin typeface="+mn-lt"/>
+        <a:ea typeface="+mn-ea"/>
+        <a:cs typeface="+mn-cs"/>
+        <a:sym typeface="Helvetica"/>
       </a:defRPr>
     </a:lvl4pPr>
     <a:lvl5pPr marL="0" marR="0" indent="0" algn="ctr" defTabSz="2438337" rtl="0" fontAlgn="auto" latinLnBrk="0" hangingPunct="0">
@@ -191,10 +191,10 @@
         </a:solidFill>
         <a:effectLst/>
         <a:uFillTx/>
-        <a:latin typeface="+mj-lt"/>
-        <a:ea typeface="+mj-ea"/>
-        <a:cs typeface="+mj-cs"/>
-        <a:sym typeface="Helvetica Neue"/>
+        <a:latin typeface="+mn-lt"/>
+        <a:ea typeface="+mn-ea"/>
+        <a:cs typeface="+mn-cs"/>
+        <a:sym typeface="Helvetica"/>
       </a:defRPr>
     </a:lvl5pPr>
     <a:lvl6pPr marL="0" marR="0" indent="0" algn="ctr" defTabSz="2438337" rtl="0" fontAlgn="auto" latinLnBrk="0" hangingPunct="0">
@@ -221,10 +221,10 @@
         </a:solidFill>
         <a:effectLst/>
         <a:uFillTx/>
-        <a:latin typeface="+mj-lt"/>
-        <a:ea typeface="+mj-ea"/>
-        <a:cs typeface="+mj-cs"/>
-        <a:sym typeface="Helvetica Neue"/>
+        <a:latin typeface="+mn-lt"/>
+        <a:ea typeface="+mn-ea"/>
+        <a:cs typeface="+mn-cs"/>
+        <a:sym typeface="Helvetica"/>
       </a:defRPr>
     </a:lvl6pPr>
     <a:lvl7pPr marL="0" marR="0" indent="0" algn="ctr" defTabSz="2438337" rtl="0" fontAlgn="auto" latinLnBrk="0" hangingPunct="0">
@@ -251,10 +251,10 @@
         </a:solidFill>
         <a:effectLst/>
         <a:uFillTx/>
-        <a:latin typeface="+mj-lt"/>
-        <a:ea typeface="+mj-ea"/>
-        <a:cs typeface="+mj-cs"/>
-        <a:sym typeface="Helvetica Neue"/>
+        <a:latin typeface="+mn-lt"/>
+        <a:ea typeface="+mn-ea"/>
+        <a:cs typeface="+mn-cs"/>
+        <a:sym typeface="Helvetica"/>
       </a:defRPr>
     </a:lvl7pPr>
     <a:lvl8pPr marL="0" marR="0" indent="0" algn="ctr" defTabSz="2438337" rtl="0" fontAlgn="auto" latinLnBrk="0" hangingPunct="0">
@@ -281,10 +281,10 @@
         </a:solidFill>
         <a:effectLst/>
         <a:uFillTx/>
-        <a:latin typeface="+mj-lt"/>
-        <a:ea typeface="+mj-ea"/>
-        <a:cs typeface="+mj-cs"/>
-        <a:sym typeface="Helvetica Neue"/>
+        <a:latin typeface="+mn-lt"/>
+        <a:ea typeface="+mn-ea"/>
+        <a:cs typeface="+mn-cs"/>
+        <a:sym typeface="Helvetica"/>
       </a:defRPr>
     </a:lvl8pPr>
     <a:lvl9pPr marL="0" marR="0" indent="0" algn="ctr" defTabSz="2438337" rtl="0" fontAlgn="auto" latinLnBrk="0" hangingPunct="0">
@@ -311,10 +311,10 @@
         </a:solidFill>
         <a:effectLst/>
         <a:uFillTx/>
-        <a:latin typeface="+mj-lt"/>
-        <a:ea typeface="+mj-ea"/>
-        <a:cs typeface="+mj-cs"/>
-        <a:sym typeface="Helvetica Neue"/>
+        <a:latin typeface="+mn-lt"/>
+        <a:ea typeface="+mn-ea"/>
+        <a:cs typeface="+mn-cs"/>
+        <a:sym typeface="Helvetica"/>
       </a:defRPr>
     </a:lvl9pPr>
   </p:defaultTextStyle>
@@ -527,7 +527,7 @@
         <p:spPr>
           <a:xfrm>
             <a:off x="1201340" y="11859862"/>
-            <a:ext cx="21971005" cy="636982"/>
+            <a:ext cx="21971005" cy="636983"/>
           </a:xfrm>
           <a:prstGeom prst="rect">
             <a:avLst/>
@@ -1124,7 +1124,7 @@
         <p:spPr>
           <a:xfrm>
             <a:off x="2430022" y="10675453"/>
-            <a:ext cx="20200057" cy="636982"/>
+            <a:ext cx="20200057" cy="636983"/>
           </a:xfrm>
           <a:prstGeom prst="rect">
             <a:avLst/>
@@ -1224,7 +1224,7 @@
         <p:spPr>
           <a:xfrm>
             <a:off x="1753923" y="4939860"/>
-            <a:ext cx="20876154" cy="3836283"/>
+            <a:ext cx="20876154" cy="3836284"/>
           </a:xfrm>
           <a:prstGeom prst="rect">
             <a:avLst/>
@@ -1233,7 +1233,7 @@
         <p:txBody>
           <a:bodyPr numCol="1" spcCol="38100"/>
           <a:lstStyle>
-            <a:lvl1pPr marL="131850" indent="37172">
+            <a:lvl1pPr marL="0" indent="169021">
               <a:spcBef>
                 <a:spcPts val="0"/>
               </a:spcBef>
@@ -1633,7 +1633,7 @@
         <p:spPr>
           <a:xfrm>
             <a:off x="1207690" y="1106137"/>
-            <a:ext cx="21968621" cy="636982"/>
+            <a:ext cx="21968621" cy="636983"/>
           </a:xfrm>
           <a:prstGeom prst="rect">
             <a:avLst/>
@@ -1733,7 +1733,7 @@
         <p:spPr>
           <a:xfrm>
             <a:off x="1206500" y="11609909"/>
-            <a:ext cx="21971000" cy="1116955"/>
+            <a:ext cx="21971000" cy="1116956"/>
           </a:xfrm>
           <a:prstGeom prst="rect">
             <a:avLst/>
@@ -2162,6 +2162,10 @@
           </p:nvPr>
         </p:nvSpPr>
         <p:spPr>
+          <a:xfrm>
+            <a:off x="1206500" y="4248503"/>
+            <a:ext cx="21971000" cy="8256015"/>
+          </a:xfrm>
           <a:prstGeom prst="rect">
             <a:avLst/>
           </a:prstGeom>
@@ -2432,7 +2436,7 @@
         <p:spPr>
           <a:xfrm>
             <a:off x="1206500" y="4248503"/>
-            <a:ext cx="9779000" cy="8256631"/>
+            <a:ext cx="9779000" cy="8256632"/>
           </a:xfrm>
           <a:prstGeom prst="rect">
             <a:avLst/>
@@ -2954,6 +2958,10 @@
           </p:nvPr>
         </p:nvSpPr>
         <p:spPr>
+          <a:xfrm>
+            <a:off x="1206500" y="4248503"/>
+            <a:ext cx="21971000" cy="8256015"/>
+          </a:xfrm>
           <a:prstGeom prst="rect">
             <a:avLst/>
           </a:prstGeom>
@@ -3166,6 +3174,10 @@
                 <a:solidFill>
                   <a:srgbClr val="000000"/>
                 </a:solidFill>
+                <a:latin typeface="+mj-lt"/>
+                <a:ea typeface="+mj-ea"/>
+                <a:cs typeface="+mj-cs"/>
+                <a:sym typeface="Helvetica Neue"/>
               </a:defRPr>
             </a:lvl1pPr>
           </a:lstStyle>
@@ -3944,8 +3956,8 @@
         </p:blipFill>
         <p:spPr>
           <a:xfrm>
-            <a:off x="-1" y="5207"/>
-            <a:ext cx="24384001" cy="13756386"/>
+            <a:off x="-2" y="5206"/>
+            <a:ext cx="24384003" cy="13756388"/>
           </a:xfrm>
           <a:prstGeom prst="rect">
             <a:avLst/>
@@ -3966,7 +3978,7 @@
         <p:spPr>
           <a:xfrm>
             <a:off x="1201341" y="11859862"/>
-            <a:ext cx="21971002" cy="1558380"/>
+            <a:ext cx="21971002" cy="1558381"/>
           </a:xfrm>
           <a:prstGeom prst="rect">
             <a:avLst/>
@@ -3999,8 +4011,8 @@
         </p:nvSpPr>
         <p:spPr>
           <a:xfrm>
-            <a:off x="1206494" y="2574988"/>
-            <a:ext cx="21971008" cy="4648205"/>
+            <a:off x="1206494" y="2574987"/>
+            <a:ext cx="21971008" cy="4648206"/>
           </a:xfrm>
           <a:prstGeom prst="rect">
             <a:avLst/>
@@ -4054,6 +4066,10 @@
                 <a:solidFill>
                   <a:srgbClr val="000000"/>
                 </a:solidFill>
+                <a:latin typeface="+mj-lt"/>
+                <a:ea typeface="+mj-ea"/>
+                <a:cs typeface="+mj-cs"/>
+                <a:sym typeface="Helvetica Neue"/>
               </a:defRPr>
             </a:lvl1pPr>
           </a:lstStyle>
@@ -4143,16 +4159,16 @@
       </p:sp>
       <p:grpSp>
         <p:nvGrpSpPr>
-          <p:cNvPr id="159" name="Сгруппировать"/>
+          <p:cNvPr id="161" name="Сгруппировать"/>
           <p:cNvGrpSpPr/>
           <p:nvPr/>
         </p:nvGrpSpPr>
         <p:grpSpPr>
           <a:xfrm>
             <a:off x="4748184" y="3767531"/>
-            <a:ext cx="15200528" cy="6755928"/>
+            <a:ext cx="15200529" cy="6755929"/>
             <a:chOff x="0" y="0"/>
-            <a:chExt cx="15200526" cy="6755927"/>
+            <a:chExt cx="15200527" cy="6755928"/>
           </a:xfrm>
         </p:grpSpPr>
         <p:pic>
@@ -4174,7 +4190,7 @@
           <p:spPr>
             <a:xfrm>
               <a:off x="0" y="0"/>
-              <a:ext cx="15200527" cy="6180938"/>
+              <a:ext cx="15200529" cy="6180939"/>
             </a:xfrm>
             <a:prstGeom prst="rect">
               <a:avLst/>
@@ -4186,66 +4202,125 @@
             <a:effectLst/>
           </p:spPr>
         </p:pic>
-        <p:sp>
-          <p:nvSpPr>
-            <p:cNvPr id="158" name="Caption"/>
-            <p:cNvSpPr/>
+        <p:grpSp>
+          <p:nvGrpSpPr>
+            <p:cNvPr id="160" name="Caption"/>
+            <p:cNvGrpSpPr/>
             <p:nvPr/>
-          </p:nvSpPr>
-          <p:spPr>
+          </p:nvGrpSpPr>
+          <p:grpSpPr>
             <a:xfrm>
               <a:off x="0" y="6282537"/>
-              <a:ext cx="15200527" cy="473391"/>
+              <a:ext cx="15200529" cy="473392"/>
+              <a:chOff x="0" y="0"/>
+              <a:chExt cx="15200527" cy="473391"/>
             </a:xfrm>
-            <a:prstGeom prst="roundRect">
-              <a:avLst>
-                <a:gd name="adj" fmla="val 0"/>
-              </a:avLst>
-            </a:prstGeom>
-            <a:solidFill>
-              <a:srgbClr val="000000">
-                <a:alpha val="0"/>
-              </a:srgbClr>
-            </a:solidFill>
-            <a:ln w="12700" cap="flat">
+          </p:grpSpPr>
+          <p:sp>
+            <p:nvSpPr>
+              <p:cNvPr id="158" name="Прямоугольник"/>
+              <p:cNvSpPr/>
+              <p:nvPr/>
+            </p:nvSpPr>
+            <p:spPr>
+              <a:xfrm>
+                <a:off x="0" y="0"/>
+                <a:ext cx="15200528" cy="473392"/>
+              </a:xfrm>
+              <a:prstGeom prst="roundRect">
+                <a:avLst>
+                  <a:gd name="adj" fmla="val 0"/>
+                </a:avLst>
+              </a:prstGeom>
+              <a:solidFill>
+                <a:srgbClr val="000000">
+                  <a:alpha val="0"/>
+                </a:srgbClr>
+              </a:solidFill>
+              <a:ln w="12700" cap="flat">
+                <a:noFill/>
+                <a:miter lim="400000"/>
+              </a:ln>
+              <a:effectLst/>
+            </p:spPr>
+            <p:txBody>
+              <a:bodyPr wrap="square" lIns="50800" tIns="50800" rIns="50800" bIns="50800" numCol="1" anchor="t">
+                <a:noAutofit/>
+              </a:bodyPr>
+              <a:lstStyle/>
+              <a:p>
+                <a:pPr defTabSz="975335">
+                  <a:lnSpc>
+                    <a:spcPct val="80000"/>
+                  </a:lnSpc>
+                  <a:defRPr spc="-50" sz="2500">
+                    <a:solidFill>
+                      <a:srgbClr val="000000"/>
+                    </a:solidFill>
+                    <a:latin typeface="Helvetica Neue Medium"/>
+                    <a:ea typeface="Helvetica Neue Medium"/>
+                    <a:cs typeface="Helvetica Neue Medium"/>
+                    <a:sym typeface="Helvetica Neue Medium"/>
+                  </a:defRPr>
+                </a:pPr>
+              </a:p>
+            </p:txBody>
+          </p:sp>
+          <p:sp>
+            <p:nvSpPr>
+              <p:cNvPr id="159" name="Пример"/>
+              <p:cNvSpPr txBox="1"/>
+              <p:nvPr/>
+            </p:nvSpPr>
+            <p:spPr>
+              <a:xfrm>
+                <a:off x="0" y="-1"/>
+                <a:ext cx="15200528" cy="473392"/>
+              </a:xfrm>
+              <a:prstGeom prst="rect">
+                <a:avLst/>
+              </a:prstGeom>
               <a:noFill/>
-              <a:miter lim="400000"/>
-            </a:ln>
-            <a:effectLst/>
-            <a:extLst>
-              <a:ext uri="{C572A759-6A51-4108-AA02-DFA0A04FC94B}">
-                <ma14:wrappingTextBoxFlag xmlns:ma14="http://schemas.microsoft.com/office/mac/drawingml/2011/main" val="1"/>
-              </a:ext>
-            </a:extLst>
-          </p:spPr>
-          <p:txBody>
-            <a:bodyPr wrap="square" lIns="50800" tIns="50800" rIns="50800" bIns="50800" numCol="1" anchor="t">
-              <a:noAutofit/>
-            </a:bodyPr>
-            <a:lstStyle>
-              <a:lvl1pPr defTabSz="975335">
-                <a:lnSpc>
-                  <a:spcPct val="80000"/>
-                </a:lnSpc>
-                <a:defRPr spc="-50" sz="2500">
-                  <a:solidFill>
-                    <a:srgbClr val="000000"/>
-                  </a:solidFill>
-                  <a:latin typeface="Helvetica Neue Medium"/>
-                  <a:ea typeface="Helvetica Neue Medium"/>
-                  <a:cs typeface="Helvetica Neue Medium"/>
-                  <a:sym typeface="Helvetica Neue Medium"/>
-                </a:defRPr>
-              </a:lvl1pPr>
-            </a:lstStyle>
-            <a:p>
-              <a:pPr/>
-              <a:r>
-                <a:t>Пример</a:t>
-              </a:r>
-            </a:p>
-          </p:txBody>
-        </p:sp>
+              <a:ln w="12700" cap="flat">
+                <a:noFill/>
+                <a:miter lim="400000"/>
+              </a:ln>
+              <a:effectLst/>
+              <a:extLst>
+                <a:ext uri="{C572A759-6A51-4108-AA02-DFA0A04FC94B}">
+                  <ma14:wrappingTextBoxFlag xmlns:ma14="http://schemas.microsoft.com/office/mac/drawingml/2011/main" val="1"/>
+                </a:ext>
+              </a:extLst>
+            </p:spPr>
+            <p:txBody>
+              <a:bodyPr wrap="square" lIns="50800" tIns="50800" rIns="50800" bIns="50800" numCol="1" anchor="t">
+                <a:spAutoFit/>
+              </a:bodyPr>
+              <a:lstStyle>
+                <a:lvl1pPr defTabSz="975335">
+                  <a:lnSpc>
+                    <a:spcPct val="80000"/>
+                  </a:lnSpc>
+                  <a:defRPr spc="-50" sz="2500">
+                    <a:solidFill>
+                      <a:srgbClr val="000000"/>
+                    </a:solidFill>
+                    <a:latin typeface="Helvetica Neue Medium"/>
+                    <a:ea typeface="Helvetica Neue Medium"/>
+                    <a:cs typeface="Helvetica Neue Medium"/>
+                    <a:sym typeface="Helvetica Neue Medium"/>
+                  </a:defRPr>
+                </a:lvl1pPr>
+              </a:lstStyle>
+              <a:p>
+                <a:pPr/>
+                <a:r>
+                  <a:t>Пример</a:t>
+                </a:r>
+              </a:p>
+            </p:txBody>
+          </p:sp>
+        </p:grpSp>
       </p:grpSp>
     </p:spTree>
   </p:cSld>
@@ -4286,7 +4361,7 @@
       </p:grpSpPr>
       <p:sp>
         <p:nvSpPr>
-          <p:cNvPr id="161" name="Переключение между основными функциями реализовано при помощи QRadioButton"/>
+          <p:cNvPr id="163" name="Переключение между основными функциями реализовано при помощи QRadioButton"/>
           <p:cNvSpPr txBox="1"/>
           <p:nvPr>
             <p:ph type="body" sz="half" idx="1"/>
@@ -4294,8 +4369,8 @@
         </p:nvSpPr>
         <p:spPr>
           <a:xfrm>
-            <a:off x="344268" y="-687305"/>
-            <a:ext cx="23695464" cy="3086296"/>
+            <a:off x="344268" y="-687306"/>
+            <a:ext cx="23695464" cy="3086298"/>
           </a:xfrm>
           <a:prstGeom prst="rect">
             <a:avLst/>
@@ -4305,7 +4380,7 @@
           <a:bodyPr/>
           <a:lstStyle>
             <a:lvl1pPr defTabSz="1755604">
-              <a:defRPr spc="-185" sz="7700"/>
+              <a:defRPr spc="-200" sz="7700"/>
             </a:lvl1pPr>
           </a:lstStyle>
           <a:p>
@@ -4318,7 +4393,7 @@
       </p:sp>
       <p:pic>
         <p:nvPicPr>
-          <p:cNvPr id="162" name="Снимок экрана 2023-04-18 в 00.21.48.png" descr="Снимок экрана 2023-04-18 в 00.21.48.png"/>
+          <p:cNvPr id="164" name="Снимок экрана 2023-04-18 в 00.21.48.png" descr="Снимок экрана 2023-04-18 в 00.21.48.png"/>
           <p:cNvPicPr>
             <a:picLocks noChangeAspect="1"/>
           </p:cNvPicPr>
@@ -4334,8 +4409,8 @@
         </p:blipFill>
         <p:spPr>
           <a:xfrm>
-            <a:off x="4330930" y="5432526"/>
-            <a:ext cx="15722140" cy="2850949"/>
+            <a:off x="4330929" y="5432526"/>
+            <a:ext cx="15722141" cy="2850950"/>
           </a:xfrm>
           <a:prstGeom prst="rect">
             <a:avLst/>
@@ -4384,7 +4459,7 @@
       </p:grpSpPr>
       <p:sp>
         <p:nvSpPr>
-          <p:cNvPr id="164" name="Переключение между основными функциями реализовано при помощи QRadioButton"/>
+          <p:cNvPr id="166" name="Переключение между основными функциями реализовано при помощи QRadioButton"/>
           <p:cNvSpPr txBox="1"/>
           <p:nvPr>
             <p:ph type="body" sz="half" idx="1"/>
@@ -4392,8 +4467,8 @@
         </p:nvSpPr>
         <p:spPr>
           <a:xfrm>
-            <a:off x="344268" y="-237066"/>
-            <a:ext cx="23695464" cy="3086296"/>
+            <a:off x="344268" y="-237067"/>
+            <a:ext cx="23695464" cy="3086298"/>
           </a:xfrm>
           <a:prstGeom prst="rect">
             <a:avLst/>
@@ -4416,7 +4491,7 @@
       </p:sp>
       <p:pic>
         <p:nvPicPr>
-          <p:cNvPr id="165" name="Снимок экрана 2023-04-18 в 00.23.40.png" descr="Снимок экрана 2023-04-18 в 00.23.40.png"/>
+          <p:cNvPr id="167" name="Снимок экрана 2023-04-18 в 00.23.40.png" descr="Снимок экрана 2023-04-18 в 00.23.40.png"/>
           <p:cNvPicPr>
             <a:picLocks noChangeAspect="1"/>
           </p:cNvPicPr>
@@ -4432,8 +4507,8 @@
         </p:blipFill>
         <p:spPr>
           <a:xfrm>
-            <a:off x="1278431" y="4584339"/>
-            <a:ext cx="21827138" cy="4547322"/>
+            <a:off x="1278430" y="4584339"/>
+            <a:ext cx="21827139" cy="4547323"/>
           </a:xfrm>
           <a:prstGeom prst="rect">
             <a:avLst/>
@@ -4482,7 +4557,7 @@
       </p:grpSpPr>
       <p:sp>
         <p:nvSpPr>
-          <p:cNvPr id="167" name="Будильник"/>
+          <p:cNvPr id="169" name="Будильник"/>
           <p:cNvSpPr txBox="1"/>
           <p:nvPr>
             <p:ph type="body" sz="half" idx="1"/>
@@ -4490,8 +4565,8 @@
         </p:nvSpPr>
         <p:spPr>
           <a:xfrm>
-            <a:off x="344268" y="-778376"/>
-            <a:ext cx="23695464" cy="3086296"/>
+            <a:off x="344268" y="-778377"/>
+            <a:ext cx="23695464" cy="3086298"/>
           </a:xfrm>
           <a:prstGeom prst="rect">
             <a:avLst/>
@@ -4526,14 +4601,14 @@
       </p:sp>
       <p:sp>
         <p:nvSpPr>
-          <p:cNvPr id="168" name="Включает в себя 4 дополнительные функции:"/>
+          <p:cNvPr id="170" name="Включает в себя 4 дополнительные функции:"/>
           <p:cNvSpPr txBox="1"/>
           <p:nvPr/>
         </p:nvSpPr>
         <p:spPr>
           <a:xfrm>
             <a:off x="344268" y="1344552"/>
-            <a:ext cx="23695464" cy="1256352"/>
+            <a:ext cx="23695464" cy="1256353"/>
           </a:xfrm>
           <a:prstGeom prst="rect">
             <a:avLst/>
@@ -4594,14 +4669,14 @@
       </p:sp>
       <p:sp>
         <p:nvSpPr>
-          <p:cNvPr id="169" name="Добавление (реализовано с помощью создания нового набора форм при нажатии ’+’ QPushButton)…"/>
+          <p:cNvPr id="171" name="Добавление (реализовано с помощью создания нового набора форм при нажатии ’+’ QPushButton)…"/>
           <p:cNvSpPr txBox="1"/>
           <p:nvPr/>
         </p:nvSpPr>
         <p:spPr>
           <a:xfrm>
             <a:off x="344268" y="2385352"/>
-            <a:ext cx="23695464" cy="3086297"/>
+            <a:ext cx="23695464" cy="3086298"/>
           </a:xfrm>
           <a:prstGeom prst="rect">
             <a:avLst/>
@@ -4649,13 +4724,12 @@
               </a:rPr>
               <a:t>(сделано с помощью выбора типа цитат RadioButton)</a:t>
             </a:r>
-            <a:endParaRPr spc="-99"/>
           </a:p>
         </p:txBody>
       </p:sp>
       <p:pic>
         <p:nvPicPr>
-          <p:cNvPr id="170" name="Снимок экрана 2023-04-18 в 00.23.40.png" descr="Снимок экрана 2023-04-18 в 00.23.40.png"/>
+          <p:cNvPr id="172" name="Снимок экрана 2023-04-18 в 00.23.40.png" descr="Снимок экрана 2023-04-18 в 00.23.40.png"/>
           <p:cNvPicPr>
             <a:picLocks noChangeAspect="1"/>
           </p:cNvPicPr>
@@ -4671,8 +4745,8 @@
         </p:blipFill>
         <p:spPr>
           <a:xfrm>
-            <a:off x="957219" y="4517420"/>
-            <a:ext cx="22469562" cy="4681160"/>
+            <a:off x="957218" y="4517419"/>
+            <a:ext cx="22469563" cy="4681162"/>
           </a:xfrm>
           <a:prstGeom prst="rect">
             <a:avLst/>
@@ -4721,7 +4795,7 @@
       </p:grpSpPr>
       <p:sp>
         <p:nvSpPr>
-          <p:cNvPr id="172" name="В приложение реализованы 11 функций:…"/>
+          <p:cNvPr id="174" name="В приложение реализованы 11 функций:…"/>
           <p:cNvSpPr txBox="1"/>
           <p:nvPr>
             <p:ph type="body" sz="half" idx="1"/>
@@ -4729,8 +4803,8 @@
         </p:nvSpPr>
         <p:spPr>
           <a:xfrm>
-            <a:off x="344268" y="592321"/>
-            <a:ext cx="23695464" cy="3086296"/>
+            <a:off x="344268" y="592320"/>
+            <a:ext cx="23695464" cy="3086298"/>
           </a:xfrm>
           <a:prstGeom prst="rect">
             <a:avLst/>
@@ -4741,7 +4815,7 @@
           <a:lstStyle/>
           <a:p>
             <a:pPr algn="just" defTabSz="1794617">
-              <a:defRPr spc="-184" sz="8464"/>
+              <a:defRPr spc="-200" sz="8400"/>
             </a:pPr>
             <a:r>
               <a:t>На сайте реализована система пользователя:</a:t>
@@ -4749,30 +4823,31 @@
             <a:endParaRPr spc="-170"/>
           </a:p>
           <a:p>
-            <a:pPr marL="1084273" indent="-1084273" algn="just" defTabSz="1794617">
+            <a:pPr marL="1084272" indent="-1084272" algn="just" defTabSz="1794617">
               <a:buSzPct val="123000"/>
               <a:buChar char="•"/>
-              <a:defRPr spc="-184" sz="5704"/>
+              <a:defRPr spc="-200" sz="5700"/>
             </a:pPr>
             <a:r>
               <a:t>Регистрация</a:t>
             </a:r>
-          </a:p>
-          <a:p>
-            <a:pPr marL="1084273" indent="-1084273" algn="just" defTabSz="1794617">
+            <a:endParaRPr spc="-184"/>
+          </a:p>
+          <a:p>
+            <a:pPr marL="1084272" indent="-1084272" algn="just" defTabSz="1794617">
               <a:buSzPct val="123000"/>
               <a:buChar char="•"/>
-              <a:defRPr spc="-184" sz="5704"/>
+              <a:defRPr spc="-200" sz="5700"/>
             </a:pPr>
             <a:r>
-              <a:t>Вход</a:t>
+              <a:t>Авторизация</a:t>
             </a:r>
           </a:p>
         </p:txBody>
       </p:sp>
       <p:pic>
         <p:nvPicPr>
-          <p:cNvPr id="173" name="Снимок экрана 2023-04-18 в 00.39.02.png" descr="Снимок экрана 2023-04-18 в 00.39.02.png"/>
+          <p:cNvPr id="175" name="Снимок экрана 2023-04-18 в 00.39.02.png" descr="Снимок экрана 2023-04-18 в 00.39.02.png"/>
           <p:cNvPicPr>
             <a:picLocks noChangeAspect="1"/>
           </p:cNvPicPr>
@@ -4789,7 +4864,7 @@
         <p:spPr>
           <a:xfrm>
             <a:off x="6579641" y="2200062"/>
-            <a:ext cx="16044965" cy="6952819"/>
+            <a:ext cx="16044965" cy="6952820"/>
           </a:xfrm>
           <a:prstGeom prst="rect">
             <a:avLst/>
@@ -4801,7 +4876,7 @@
       </p:pic>
       <p:pic>
         <p:nvPicPr>
-          <p:cNvPr id="174" name="Снимок экрана 2023-04-18 в 00.39.31.png" descr="Снимок экрана 2023-04-18 в 00.39.31.png"/>
+          <p:cNvPr id="176" name="Снимок экрана 2023-04-18 в 00.39.31.png" descr="Снимок экрана 2023-04-18 в 00.39.31.png"/>
           <p:cNvPicPr>
             <a:picLocks noChangeAspect="1"/>
           </p:cNvPicPr>
@@ -4818,7 +4893,7 @@
         <p:spPr>
           <a:xfrm>
             <a:off x="6579641" y="9080889"/>
-            <a:ext cx="16044965" cy="3598976"/>
+            <a:ext cx="16044965" cy="3598977"/>
           </a:xfrm>
           <a:prstGeom prst="rect">
             <a:avLst/>
@@ -4867,7 +4942,7 @@
       </p:grpSpPr>
       <p:sp>
         <p:nvSpPr>
-          <p:cNvPr id="176" name="Переключение между основными функциями реализовано при помощи QRadioButton"/>
+          <p:cNvPr id="178" name="Переключение между основными функциями реализовано при помощи QRadioButton"/>
           <p:cNvSpPr txBox="1"/>
           <p:nvPr>
             <p:ph type="body" sz="half" idx="1"/>
@@ -4875,8 +4950,8 @@
         </p:nvSpPr>
         <p:spPr>
           <a:xfrm>
-            <a:off x="344268" y="-687305"/>
-            <a:ext cx="23695464" cy="3086296"/>
+            <a:off x="344268" y="-687306"/>
+            <a:ext cx="23695464" cy="3086298"/>
           </a:xfrm>
           <a:prstGeom prst="rect">
             <a:avLst/>
@@ -4899,7 +4974,7 @@
       </p:sp>
       <p:pic>
         <p:nvPicPr>
-          <p:cNvPr id="177" name="Снимок экрана 2023-04-18 в 00.28.41.png" descr="Снимок экрана 2023-04-18 в 00.28.41.png"/>
+          <p:cNvPr id="179" name="Снимок экрана 2023-04-18 в 00.28.41.png" descr="Снимок экрана 2023-04-18 в 00.28.41.png"/>
           <p:cNvPicPr>
             <a:picLocks noChangeAspect="1"/>
           </p:cNvPicPr>
@@ -4915,8 +4990,8 @@
         </p:blipFill>
         <p:spPr>
           <a:xfrm>
-            <a:off x="1299015" y="2313417"/>
-            <a:ext cx="21785970" cy="11392248"/>
+            <a:off x="1299014" y="2313416"/>
+            <a:ext cx="21785971" cy="11392249"/>
           </a:xfrm>
           <a:prstGeom prst="rect">
             <a:avLst/>
@@ -4965,7 +5040,7 @@
       </p:grpSpPr>
       <p:sp>
         <p:nvSpPr>
-          <p:cNvPr id="179" name="Идеи на будущее"/>
+          <p:cNvPr id="181" name="Идеи на будущее"/>
           <p:cNvSpPr txBox="1"/>
           <p:nvPr>
             <p:ph type="body" sz="half" idx="1"/>
@@ -4974,7 +5049,7 @@
         <p:spPr>
           <a:xfrm>
             <a:off x="344268" y="1614998"/>
-            <a:ext cx="23695464" cy="3086298"/>
+            <a:ext cx="23695464" cy="3086299"/>
           </a:xfrm>
           <a:prstGeom prst="rect">
             <a:avLst/>
@@ -5009,14 +5084,14 @@
       </p:sp>
       <p:sp>
         <p:nvSpPr>
-          <p:cNvPr id="180" name="В планах добавить отображение даты по разным часовым поясам, реализовать возможность выбора различных мелодий для будильников и таймера, а также реализовать добавление кругов в секундомер."/>
+          <p:cNvPr id="182" name="В планах добавить отображение даты по разным часовым поясам, реализовать возможность выбора различных мелодий для будильников и таймера, а также реализовать добавление кругов в секундомер."/>
           <p:cNvSpPr txBox="1"/>
           <p:nvPr/>
         </p:nvSpPr>
         <p:spPr>
           <a:xfrm>
             <a:off x="344268" y="4000205"/>
-            <a:ext cx="23695464" cy="6151299"/>
+            <a:ext cx="23695464" cy="6151300"/>
           </a:xfrm>
           <a:prstGeom prst="rect">
             <a:avLst/>
@@ -5053,7 +5128,7 @@
           <a:p>
             <a:pPr/>
             <a:r>
-              <a:t>В планах добавить выбор времени отправки, добавить дополнительные цитаты, изменение языка и сделать возможность добавления собственных цитат в реестр</a:t>
+              <a:t>В планах добавить выбор времени отправки, добавить дополнительные цитаты, изменение языка и сделать возможность добавления собственных цитат в реестр.</a:t>
             </a:r>
           </a:p>
         </p:txBody>
@@ -5097,7 +5172,7 @@
       </p:grpSpPr>
       <p:sp>
         <p:nvSpPr>
-          <p:cNvPr id="182" name="Вывод"/>
+          <p:cNvPr id="184" name="Вывод"/>
           <p:cNvSpPr txBox="1"/>
           <p:nvPr>
             <p:ph type="body" sz="half" idx="1"/>
@@ -5106,7 +5181,7 @@
         <p:spPr>
           <a:xfrm>
             <a:off x="344268" y="2804677"/>
-            <a:ext cx="23695464" cy="3086297"/>
+            <a:ext cx="23695464" cy="3086298"/>
           </a:xfrm>
           <a:prstGeom prst="rect">
             <a:avLst/>
@@ -5141,7 +5216,7 @@
       </p:sp>
       <p:sp>
         <p:nvSpPr>
-          <p:cNvPr id="183" name="У меня получилось реализовать все задуманные функции. В итоге получилось удобное приложение с интуитивно понятным интерфейсом, однако есть идеи для его дальнейшего развития."/>
+          <p:cNvPr id="185" name="У меня получилось реализовать все задуманные функции. В итоге получилось удобное приложение с интуитивно понятным интерфейсом, однако есть идеи для его дальнейшего развития."/>
           <p:cNvSpPr txBox="1"/>
           <p:nvPr/>
         </p:nvSpPr>
@@ -5192,7 +5267,7 @@
       </p:sp>
       <p:sp>
         <p:nvSpPr>
-          <p:cNvPr id="184" name="Спасибо за внимание!"/>
+          <p:cNvPr id="186" name="Спасибо за внимание!"/>
           <p:cNvSpPr txBox="1"/>
           <p:nvPr/>
         </p:nvSpPr>
@@ -5223,6 +5298,10 @@
                 <a:solidFill>
                   <a:srgbClr val="000000"/>
                 </a:solidFill>
+                <a:latin typeface="+mj-lt"/>
+                <a:ea typeface="+mj-ea"/>
+                <a:cs typeface="+mj-cs"/>
+                <a:sym typeface="Helvetica Neue"/>
               </a:defRPr>
             </a:lvl1pPr>
           </a:lstStyle>
@@ -5485,10 +5564,10 @@
             </a:solidFill>
             <a:effectLst/>
             <a:uFillTx/>
-            <a:latin typeface="+mj-lt"/>
-            <a:ea typeface="+mj-ea"/>
-            <a:cs typeface="+mj-cs"/>
-            <a:sym typeface="Helvetica Neue"/>
+            <a:latin typeface="+mn-lt"/>
+            <a:ea typeface="+mn-ea"/>
+            <a:cs typeface="+mn-cs"/>
+            <a:sym typeface="Helvetica"/>
           </a:defRPr>
         </a:defPPr>
         <a:lvl1pPr marL="0" marR="0" indent="0" algn="l" defTabSz="914400" rtl="0" fontAlgn="auto" latinLnBrk="1" hangingPunct="0">
@@ -6056,10 +6135,10 @@
             </a:solidFill>
             <a:effectLst/>
             <a:uFillTx/>
-            <a:latin typeface="+mj-lt"/>
-            <a:ea typeface="+mj-ea"/>
-            <a:cs typeface="+mj-cs"/>
-            <a:sym typeface="Helvetica Neue"/>
+            <a:latin typeface="+mn-lt"/>
+            <a:ea typeface="+mn-ea"/>
+            <a:cs typeface="+mn-cs"/>
+            <a:sym typeface="Helvetica"/>
           </a:defRPr>
         </a:defPPr>
         <a:lvl1pPr marL="0" marR="0" indent="0" algn="l" defTabSz="914400" rtl="0" fontAlgn="auto" latinLnBrk="1" hangingPunct="0">
@@ -6539,10 +6618,10 @@
             </a:solidFill>
             <a:effectLst/>
             <a:uFillTx/>
-            <a:latin typeface="+mj-lt"/>
-            <a:ea typeface="+mj-ea"/>
-            <a:cs typeface="+mj-cs"/>
-            <a:sym typeface="Helvetica Neue"/>
+            <a:latin typeface="+mn-lt"/>
+            <a:ea typeface="+mn-ea"/>
+            <a:cs typeface="+mn-cs"/>
+            <a:sym typeface="Helvetica"/>
           </a:defRPr>
         </a:defPPr>
         <a:lvl1pPr marL="0" marR="0" indent="0" algn="l" defTabSz="914400" rtl="0" fontAlgn="auto" latinLnBrk="1" hangingPunct="0">
@@ -7110,10 +7189,10 @@
             </a:solidFill>
             <a:effectLst/>
             <a:uFillTx/>
-            <a:latin typeface="+mj-lt"/>
-            <a:ea typeface="+mj-ea"/>
-            <a:cs typeface="+mj-cs"/>
-            <a:sym typeface="Helvetica Neue"/>
+            <a:latin typeface="+mn-lt"/>
+            <a:ea typeface="+mn-ea"/>
+            <a:cs typeface="+mn-cs"/>
+            <a:sym typeface="Helvetica"/>
           </a:defRPr>
         </a:defPPr>
         <a:lvl1pPr marL="0" marR="0" indent="0" algn="l" defTabSz="914400" rtl="0" fontAlgn="auto" latinLnBrk="1" hangingPunct="0">
